--- a/Tour/前台开发技术JS_adv.pptx
+++ b/Tour/前台开发技术JS_adv.pptx
@@ -508,7 +508,7 @@
           <a:p>
             <a:fld id="{108760CE-CA99-4B34-9B61-96F7EC3EDD35}" type="datetimeFigureOut">
               <a:rPr lang="zh-CN" altLang="en-US" smtClean="0"/>
-              <a:t>2013/1/27</a:t>
+              <a:t>2013/1/29</a:t>
             </a:fld>
             <a:endParaRPr lang="zh-CN" altLang="en-US"/>
           </a:p>
@@ -673,7 +673,7 @@
           <a:p>
             <a:fld id="{108760CE-CA99-4B34-9B61-96F7EC3EDD35}" type="datetimeFigureOut">
               <a:rPr lang="zh-CN" altLang="en-US" smtClean="0"/>
-              <a:t>2013/1/27</a:t>
+              <a:t>2013/1/29</a:t>
             </a:fld>
             <a:endParaRPr lang="zh-CN" altLang="en-US"/>
           </a:p>
@@ -848,7 +848,7 @@
           <a:p>
             <a:fld id="{108760CE-CA99-4B34-9B61-96F7EC3EDD35}" type="datetimeFigureOut">
               <a:rPr lang="zh-CN" altLang="en-US" smtClean="0"/>
-              <a:t>2013/1/27</a:t>
+              <a:t>2013/1/29</a:t>
             </a:fld>
             <a:endParaRPr lang="zh-CN" altLang="en-US"/>
           </a:p>
@@ -1017,7 +1017,7 @@
           <a:p>
             <a:fld id="{108760CE-CA99-4B34-9B61-96F7EC3EDD35}" type="datetimeFigureOut">
               <a:rPr lang="zh-CN" altLang="en-US" smtClean="0"/>
-              <a:t>2013/1/27</a:t>
+              <a:t>2013/1/29</a:t>
             </a:fld>
             <a:endParaRPr lang="zh-CN" altLang="en-US"/>
           </a:p>
@@ -1472,7 +1472,7 @@
           <a:p>
             <a:fld id="{108760CE-CA99-4B34-9B61-96F7EC3EDD35}" type="datetimeFigureOut">
               <a:rPr lang="zh-CN" altLang="en-US" smtClean="0"/>
-              <a:t>2013/1/27</a:t>
+              <a:t>2013/1/29</a:t>
             </a:fld>
             <a:endParaRPr lang="zh-CN" altLang="en-US"/>
           </a:p>
@@ -1736,7 +1736,7 @@
           <a:p>
             <a:fld id="{108760CE-CA99-4B34-9B61-96F7EC3EDD35}" type="datetimeFigureOut">
               <a:rPr lang="zh-CN" altLang="en-US" smtClean="0"/>
-              <a:t>2013/1/27</a:t>
+              <a:t>2013/1/29</a:t>
             </a:fld>
             <a:endParaRPr lang="zh-CN" altLang="en-US"/>
           </a:p>
@@ -2110,7 +2110,7 @@
           <a:p>
             <a:fld id="{108760CE-CA99-4B34-9B61-96F7EC3EDD35}" type="datetimeFigureOut">
               <a:rPr lang="zh-CN" altLang="en-US" smtClean="0"/>
-              <a:t>2013/1/27</a:t>
+              <a:t>2013/1/29</a:t>
             </a:fld>
             <a:endParaRPr lang="zh-CN" altLang="en-US"/>
           </a:p>
@@ -2232,7 +2232,7 @@
           <a:p>
             <a:fld id="{108760CE-CA99-4B34-9B61-96F7EC3EDD35}" type="datetimeFigureOut">
               <a:rPr lang="zh-CN" altLang="en-US" smtClean="0"/>
-              <a:t>2013/1/27</a:t>
+              <a:t>2013/1/29</a:t>
             </a:fld>
             <a:endParaRPr lang="zh-CN" altLang="en-US"/>
           </a:p>
@@ -2322,7 +2322,7 @@
           <a:p>
             <a:fld id="{108760CE-CA99-4B34-9B61-96F7EC3EDD35}" type="datetimeFigureOut">
               <a:rPr lang="zh-CN" altLang="en-US" smtClean="0"/>
-              <a:t>2013/1/27</a:t>
+              <a:t>2013/1/29</a:t>
             </a:fld>
             <a:endParaRPr lang="zh-CN" altLang="en-US"/>
           </a:p>
@@ -2571,7 +2571,7 @@
           <a:p>
             <a:fld id="{108760CE-CA99-4B34-9B61-96F7EC3EDD35}" type="datetimeFigureOut">
               <a:rPr lang="zh-CN" altLang="en-US" smtClean="0"/>
-              <a:t>2013/1/27</a:t>
+              <a:t>2013/1/29</a:t>
             </a:fld>
             <a:endParaRPr lang="zh-CN" altLang="en-US"/>
           </a:p>
@@ -2830,7 +2830,7 @@
           <a:p>
             <a:fld id="{108760CE-CA99-4B34-9B61-96F7EC3EDD35}" type="datetimeFigureOut">
               <a:rPr lang="zh-CN" altLang="en-US" smtClean="0"/>
-              <a:t>2013/1/27</a:t>
+              <a:t>2013/1/29</a:t>
             </a:fld>
             <a:endParaRPr lang="zh-CN" altLang="en-US"/>
           </a:p>
@@ -3234,7 +3234,7 @@
           <a:p>
             <a:fld id="{108760CE-CA99-4B34-9B61-96F7EC3EDD35}" type="datetimeFigureOut">
               <a:rPr lang="zh-CN" altLang="en-US" smtClean="0"/>
-              <a:t>2013/1/27</a:t>
+              <a:t>2013/1/29</a:t>
             </a:fld>
             <a:endParaRPr lang="zh-CN" altLang="en-US"/>
           </a:p>
@@ -4985,35 +4985,21 @@
         </p:nvSpPr>
         <p:spPr/>
         <p:txBody>
-          <a:bodyPr/>
-          <a:lstStyle/>
-          <a:p>
-            <a:r>
-              <a:rPr lang="zh-CN" altLang="en-US" dirty="0" smtClean="0"/>
-              <a:t>可以</a:t>
-            </a:r>
-            <a:r>
-              <a:rPr lang="zh-CN" altLang="en-US" dirty="0" smtClean="0"/>
-              <a:t>改变</a:t>
-            </a:r>
-            <a:r>
-              <a:rPr lang="zh-CN" altLang="en-US" dirty="0" smtClean="0"/>
-              <a:t>页面</a:t>
-            </a:r>
-            <a:r>
-              <a:rPr lang="zh-CN" altLang="en-US" dirty="0" smtClean="0"/>
-              <a:t>上的任何元素</a:t>
+          <a:bodyPr>
+            <a:normAutofit fontScale="92500" lnSpcReduction="10000"/>
+          </a:bodyPr>
+          <a:lstStyle/>
+          <a:p>
+            <a:r>
+              <a:rPr lang="zh-CN" altLang="en-US" dirty="0" smtClean="0"/>
+              <a:t>可以改变页面上的任何元素</a:t>
             </a:r>
             <a:endParaRPr lang="en-US" altLang="zh-CN" dirty="0" smtClean="0"/>
           </a:p>
           <a:p>
             <a:r>
               <a:rPr lang="zh-CN" altLang="en-US" dirty="0" smtClean="0"/>
-              <a:t>可以</a:t>
-            </a:r>
-            <a:r>
-              <a:rPr lang="zh-CN" altLang="en-US" dirty="0" smtClean="0"/>
-              <a:t>改变</a:t>
+              <a:t>可以改变</a:t>
             </a:r>
             <a:r>
               <a:rPr lang="en-US" altLang="zh-CN" dirty="0" smtClean="0"/>
@@ -5028,11 +5014,7 @@
           <a:p>
             <a:r>
               <a:rPr lang="zh-CN" altLang="en-US" dirty="0" smtClean="0"/>
-              <a:t>可以</a:t>
-            </a:r>
-            <a:r>
-              <a:rPr lang="zh-CN" altLang="en-US" dirty="0" smtClean="0"/>
-              <a:t>改变页面中的</a:t>
+              <a:t>可以改变页面中的</a:t>
             </a:r>
             <a:r>
               <a:rPr lang="en-US" altLang="zh-CN" dirty="0" smtClean="0"/>
@@ -5047,7 +5029,26 @@
           <a:p>
             <a:r>
               <a:rPr lang="zh-CN" altLang="en-US" dirty="0" smtClean="0"/>
-              <a:t>可以改变页面上元素的事件</a:t>
+              <a:t>可以改变页面上元素的</a:t>
+            </a:r>
+            <a:r>
+              <a:rPr lang="zh-CN" altLang="en-US" dirty="0" smtClean="0"/>
+              <a:t>事件</a:t>
+            </a:r>
+            <a:endParaRPr lang="en-US" altLang="zh-CN" dirty="0" smtClean="0"/>
+          </a:p>
+          <a:p>
+            <a:r>
+              <a:rPr lang="zh-CN" altLang="en-US" dirty="0" smtClean="0"/>
+              <a:t>可以改变</a:t>
+            </a:r>
+            <a:r>
+              <a:rPr lang="en-US" altLang="zh-CN" dirty="0" smtClean="0"/>
+              <a:t>DOM</a:t>
+            </a:r>
+            <a:r>
+              <a:rPr lang="zh-CN" altLang="en-US" dirty="0" smtClean="0"/>
+              <a:t>树结构</a:t>
             </a:r>
             <a:endParaRPr lang="en-US" altLang="zh-CN" dirty="0" smtClean="0"/>
           </a:p>
